--- a/面经.pptx
+++ b/面经.pptx
@@ -4130,31 +4130,24 @@
           <a:lstStyle/>
           <a:p>
             <a:r>
+              <a:rPr lang="zh-CN" altLang="en-US" dirty="0"/>
+              <a:t>通过概论平衡替代</a:t>
+            </a:r>
+            <a:r>
               <a:rPr lang="zh-CN" altLang="en-US" dirty="0" smtClean="0"/>
-              <a:t>性能与红黑树相同，但实现更简单</a:t>
+              <a:t>严格</a:t>
+            </a:r>
+            <a:r>
+              <a:rPr lang="zh-CN" altLang="en-US" dirty="0"/>
+              <a:t>平衡</a:t>
             </a:r>
             <a:r>
               <a:rPr lang="zh-CN" altLang="en-US" dirty="0" smtClean="0"/>
-              <a:t>。另外并发环境下，红黑树可能涉及整棵树的</a:t>
-            </a:r>
-            <a:r>
-              <a:rPr lang="en-US" altLang="zh-CN" dirty="0"/>
-              <a:t>r</a:t>
-            </a:r>
-            <a:r>
-              <a:rPr lang="en-US" altLang="zh-CN" dirty="0" smtClean="0"/>
-              <a:t>ebalance</a:t>
+              <a:t>，性能与红黑树相同，但实现更简单</a:t>
             </a:r>
             <a:r>
               <a:rPr lang="zh-CN" altLang="en-US" dirty="0" smtClean="0"/>
-              <a:t>，加锁对象为整棵树；而跳表涉及的节点更局部，</a:t>
-            </a:r>
-            <a:endParaRPr lang="en-US" altLang="zh-CN" dirty="0" smtClean="0"/>
-          </a:p>
-          <a:p>
-            <a:r>
-              <a:rPr lang="zh-CN" altLang="en-US" dirty="0" smtClean="0"/>
-              <a:t>只需锁定部分节点。</a:t>
+              <a:t>。并发环境下，红黑树可能需要加锁整棵树；而跳表涉及的节点更局部，只需锁定部分节点。</a:t>
             </a:r>
             <a:r>
               <a:rPr lang="en-US" altLang="zh-CN" dirty="0" err="1" smtClean="0"/>
@@ -4208,7 +4201,7 @@
         </p:nvSpPr>
         <p:spPr>
           <a:xfrm>
-            <a:off x="755576" y="2073037"/>
+            <a:off x="755576" y="2060848"/>
             <a:ext cx="7776864" cy="4524315"/>
           </a:xfrm>
           <a:prstGeom prst="rect">

--- a/面经.pptx
+++ b/面经.pptx
@@ -3151,11 +3151,7 @@
             </a:r>
             <a:r>
               <a:rPr lang="zh-CN" altLang="en-US" sz="2000" dirty="0" smtClean="0"/>
-              <a:t>二</a:t>
-            </a:r>
-            <a:r>
-              <a:rPr lang="zh-CN" altLang="en-US" sz="2000" dirty="0" smtClean="0"/>
-              <a:t>分查找法</a:t>
+              <a:t>二分查找法</a:t>
             </a:r>
             <a:endParaRPr lang="zh-CN" altLang="en-US" sz="2000" dirty="0"/>
           </a:p>
@@ -3742,11 +3738,7 @@
             </a:r>
             <a:r>
               <a:rPr lang="zh-CN" altLang="en-US" sz="2000" dirty="0" smtClean="0"/>
-              <a:t>字典</a:t>
-            </a:r>
-            <a:r>
-              <a:rPr lang="zh-CN" altLang="en-US" sz="2000" dirty="0" smtClean="0"/>
-              <a:t>树</a:t>
+              <a:t>字典树</a:t>
             </a:r>
             <a:r>
               <a:rPr lang="en-US" altLang="zh-CN" sz="2000" dirty="0" err="1" smtClean="0"/>
@@ -4097,11 +4089,7 @@
           <a:p>
             <a:r>
               <a:rPr lang="en-US" altLang="zh-CN" sz="2000" dirty="0" smtClean="0"/>
-              <a:t>3</a:t>
-            </a:r>
-            <a:r>
-              <a:rPr lang="en-US" altLang="zh-CN" sz="2000" dirty="0" smtClean="0"/>
-              <a:t>.Skiplist</a:t>
+              <a:t>3.Skiplist</a:t>
             </a:r>
             <a:endParaRPr lang="zh-CN" altLang="en-US" sz="2000" dirty="0"/>
           </a:p>
@@ -4143,11 +4131,7 @@
             </a:r>
             <a:r>
               <a:rPr lang="zh-CN" altLang="en-US" dirty="0" smtClean="0"/>
-              <a:t>，性能与红黑树相同，但实现更简单</a:t>
-            </a:r>
-            <a:r>
-              <a:rPr lang="zh-CN" altLang="en-US" dirty="0" smtClean="0"/>
-              <a:t>。并发环境下，红黑树可能需要加锁整棵树；而跳表涉及的节点更局部，只需锁定部分节点。</a:t>
+              <a:t>，性能与红黑树相同，但实现更简单。并发环境下，红黑树可能需要加锁整棵树；而跳表涉及的节点更局部，只需锁定部分节点。</a:t>
             </a:r>
             <a:r>
               <a:rPr lang="en-US" altLang="zh-CN" dirty="0" err="1" smtClean="0"/>
@@ -4512,7 +4496,7 @@
         <p:spPr>
           <a:xfrm>
             <a:off x="683568" y="764704"/>
-            <a:ext cx="7056784" cy="923330"/>
+            <a:ext cx="8280920" cy="646331"/>
           </a:xfrm>
           <a:prstGeom prst="rect">
             <a:avLst/>
@@ -4542,10 +4526,14 @@
             </a:r>
             <a:r>
               <a:rPr lang="en-US" altLang="zh-CN" dirty="0" smtClean="0"/>
-              <a:t>O(T) = 2*O(T/2)</a:t>
-            </a:r>
-            <a:r>
-              <a:rPr lang="zh-CN" altLang="en-US" dirty="0"/>
+              <a:t>O(T) = 2*O(T/2</a:t>
+            </a:r>
+            <a:r>
+              <a:rPr lang="en-US" altLang="zh-CN" dirty="0" smtClean="0"/>
+              <a:t>) + n</a:t>
+            </a:r>
+            <a:r>
+              <a:rPr lang="zh-CN" altLang="en-US" dirty="0" smtClean="0"/>
               <a:t>，</a:t>
             </a:r>
             <a:r>
@@ -4558,15 +4546,11 @@
             </a:r>
             <a:r>
               <a:rPr lang="zh-CN" altLang="en-US" dirty="0" smtClean="0"/>
-              <a:t>，每层元素个数</a:t>
-            </a:r>
-            <a:r>
-              <a:rPr lang="en-US" altLang="zh-CN" dirty="0" smtClean="0"/>
-              <a:t>n</a:t>
+              <a:t>，所以</a:t>
             </a:r>
             <a:r>
               <a:rPr lang="zh-CN" altLang="en-US" dirty="0" smtClean="0"/>
-              <a:t>，所以复杂度为</a:t>
+              <a:t>复杂度为</a:t>
             </a:r>
             <a:r>
               <a:rPr lang="en-US" altLang="zh-CN" dirty="0" err="1" smtClean="0"/>
@@ -4592,7 +4576,7 @@
         </p:nvSpPr>
         <p:spPr>
           <a:xfrm>
-            <a:off x="719808" y="2348086"/>
+            <a:off x="719808" y="2204864"/>
             <a:ext cx="3672408" cy="4524315"/>
           </a:xfrm>
           <a:prstGeom prst="rect">
@@ -4869,7 +4853,7 @@
         </p:nvSpPr>
         <p:spPr>
           <a:xfrm>
-            <a:off x="4067944" y="2492896"/>
+            <a:off x="4067944" y="2349674"/>
             <a:ext cx="4104456" cy="3139321"/>
           </a:xfrm>
           <a:prstGeom prst="rect">
@@ -5056,7 +5040,7 @@
         </p:nvSpPr>
         <p:spPr>
           <a:xfrm>
-            <a:off x="755576" y="1702549"/>
+            <a:off x="755576" y="1484784"/>
             <a:ext cx="7056784" cy="646331"/>
           </a:xfrm>
           <a:prstGeom prst="rect">
@@ -5331,7 +5315,6 @@
               <a:rPr lang="en-US" altLang="zh-CN" dirty="0" smtClean="0"/>
               <a:t>;</a:t>
             </a:r>
-            <a:endParaRPr lang="en-US" altLang="zh-CN" dirty="0" smtClean="0"/>
           </a:p>
           <a:p>
             <a:r>
@@ -5384,11 +5367,7 @@
             </a:r>
             <a:r>
               <a:rPr lang="en-US" altLang="zh-CN" dirty="0" smtClean="0"/>
-              <a:t>[i];</a:t>
-            </a:r>
-            <a:r>
-              <a:rPr lang="en-US" altLang="zh-CN" dirty="0" smtClean="0"/>
-              <a:t>//</a:t>
+              <a:t>[i];//</a:t>
             </a:r>
             <a:r>
               <a:rPr lang="zh-CN" altLang="en-US" dirty="0" smtClean="0"/>
@@ -5413,7 +5392,6 @@
               <a:rPr lang="en-US" altLang="zh-CN" dirty="0" smtClean="0"/>
               <a:t>   </a:t>
             </a:r>
-            <a:endParaRPr lang="en-US" altLang="zh-CN" dirty="0" smtClean="0"/>
           </a:p>
           <a:p>
             <a:r>
@@ -5600,15 +5578,7 @@
             </a:r>
             <a:r>
               <a:rPr lang="en-US" altLang="zh-CN" dirty="0" smtClean="0"/>
-              <a:t>(arr</a:t>
-            </a:r>
-            <a:r>
-              <a:rPr lang="en-US" altLang="zh-CN" dirty="0" smtClean="0"/>
-              <a:t>+i</a:t>
-            </a:r>
-            <a:r>
-              <a:rPr lang="en-US" altLang="zh-CN" dirty="0" smtClean="0"/>
-              <a:t>+1, n-i-1);</a:t>
+              <a:t>(arr+i+1, n-i-1);</a:t>
             </a:r>
           </a:p>
           <a:p>
